--- a/알고리즘/lecture02Algorithm.pptx
+++ b/알고리즘/lecture02Algorithm.pptx
@@ -303,7 +303,7 @@
           <a:p>
             <a:fld id="{04AF4C07-114B-0D40-9E4C-48E2979E3F6D}" type="datetimeFigureOut">
               <a:rPr lang="en-US" smtClean="0"/>
-              <a:t>9/2/19</a:t>
+              <a:t>9/10/2019</a:t>
             </a:fld>
             <a:endParaRPr lang="en-US"/>
           </a:p>
@@ -501,7 +501,7 @@
           <a:p>
             <a:fld id="{04AF4C07-114B-0D40-9E4C-48E2979E3F6D}" type="datetimeFigureOut">
               <a:rPr lang="en-US" smtClean="0"/>
-              <a:t>9/2/19</a:t>
+              <a:t>9/10/2019</a:t>
             </a:fld>
             <a:endParaRPr lang="en-US"/>
           </a:p>
@@ -709,7 +709,7 @@
           <a:p>
             <a:fld id="{04AF4C07-114B-0D40-9E4C-48E2979E3F6D}" type="datetimeFigureOut">
               <a:rPr lang="en-US" smtClean="0"/>
-              <a:t>9/2/19</a:t>
+              <a:t>9/10/2019</a:t>
             </a:fld>
             <a:endParaRPr lang="en-US"/>
           </a:p>
@@ -907,7 +907,7 @@
           <a:p>
             <a:fld id="{04AF4C07-114B-0D40-9E4C-48E2979E3F6D}" type="datetimeFigureOut">
               <a:rPr lang="en-US" smtClean="0"/>
-              <a:t>9/2/19</a:t>
+              <a:t>9/10/2019</a:t>
             </a:fld>
             <a:endParaRPr lang="en-US"/>
           </a:p>
@@ -1182,7 +1182,7 @@
           <a:p>
             <a:fld id="{04AF4C07-114B-0D40-9E4C-48E2979E3F6D}" type="datetimeFigureOut">
               <a:rPr lang="en-US" smtClean="0"/>
-              <a:t>9/2/19</a:t>
+              <a:t>9/10/2019</a:t>
             </a:fld>
             <a:endParaRPr lang="en-US"/>
           </a:p>
@@ -1447,7 +1447,7 @@
           <a:p>
             <a:fld id="{04AF4C07-114B-0D40-9E4C-48E2979E3F6D}" type="datetimeFigureOut">
               <a:rPr lang="en-US" smtClean="0"/>
-              <a:t>9/2/19</a:t>
+              <a:t>9/10/2019</a:t>
             </a:fld>
             <a:endParaRPr lang="en-US"/>
           </a:p>
@@ -1859,7 +1859,7 @@
           <a:p>
             <a:fld id="{04AF4C07-114B-0D40-9E4C-48E2979E3F6D}" type="datetimeFigureOut">
               <a:rPr lang="en-US" smtClean="0"/>
-              <a:t>9/2/19</a:t>
+              <a:t>9/10/2019</a:t>
             </a:fld>
             <a:endParaRPr lang="en-US"/>
           </a:p>
@@ -2000,7 +2000,7 @@
           <a:p>
             <a:fld id="{04AF4C07-114B-0D40-9E4C-48E2979E3F6D}" type="datetimeFigureOut">
               <a:rPr lang="en-US" smtClean="0"/>
-              <a:t>9/2/19</a:t>
+              <a:t>9/10/2019</a:t>
             </a:fld>
             <a:endParaRPr lang="en-US"/>
           </a:p>
@@ -2113,7 +2113,7 @@
           <a:p>
             <a:fld id="{04AF4C07-114B-0D40-9E4C-48E2979E3F6D}" type="datetimeFigureOut">
               <a:rPr lang="en-US" smtClean="0"/>
-              <a:t>9/2/19</a:t>
+              <a:t>9/10/2019</a:t>
             </a:fld>
             <a:endParaRPr lang="en-US"/>
           </a:p>
@@ -2424,7 +2424,7 @@
           <a:p>
             <a:fld id="{04AF4C07-114B-0D40-9E4C-48E2979E3F6D}" type="datetimeFigureOut">
               <a:rPr lang="en-US" smtClean="0"/>
-              <a:t>9/2/19</a:t>
+              <a:t>9/10/2019</a:t>
             </a:fld>
             <a:endParaRPr lang="en-US"/>
           </a:p>
@@ -2712,7 +2712,7 @@
           <a:p>
             <a:fld id="{04AF4C07-114B-0D40-9E4C-48E2979E3F6D}" type="datetimeFigureOut">
               <a:rPr lang="en-US" smtClean="0"/>
-              <a:t>9/2/19</a:t>
+              <a:t>9/10/2019</a:t>
             </a:fld>
             <a:endParaRPr lang="en-US"/>
           </a:p>
@@ -2953,7 +2953,7 @@
           <a:p>
             <a:fld id="{04AF4C07-114B-0D40-9E4C-48E2979E3F6D}" type="datetimeFigureOut">
               <a:rPr lang="en-US" smtClean="0"/>
-              <a:t>9/2/19</a:t>
+              <a:t>9/10/2019</a:t>
             </a:fld>
             <a:endParaRPr lang="en-US"/>
           </a:p>
@@ -4358,6 +4358,10 @@
               <a:rPr lang="en-US" dirty="0"/>
               <a:t>RAM (Random Access Machine) model</a:t>
             </a:r>
+            <a:r>
+              <a:rPr lang="en-US" altLang="ko-KR" dirty="0"/>
+              <a:t/>
+            </a:r>
             <a:br>
               <a:rPr lang="en-US" altLang="ko-KR" dirty="0"/>
             </a:br>
@@ -4499,6 +4503,10 @@
             <a:r>
               <a:rPr lang="ko-KR" altLang="en-US" dirty="0"/>
               <a:t>삽입 정렬의 분석</a:t>
+            </a:r>
+            <a:r>
+              <a:rPr lang="en-US" altLang="ko-KR" dirty="0"/>
+              <a:t/>
             </a:r>
             <a:br>
               <a:rPr lang="en-US" altLang="ko-KR" dirty="0"/>
@@ -4865,6 +4873,10 @@
               <a:rPr lang="ko-KR" altLang="en-US" dirty="0"/>
               <a:t>삽입 정렬의 수행 시간</a:t>
             </a:r>
+            <a:r>
+              <a:rPr lang="en-US" altLang="ko-KR" dirty="0"/>
+              <a:t/>
+            </a:r>
             <a:br>
               <a:rPr lang="en-US" altLang="ko-KR" dirty="0"/>
             </a:br>
@@ -7297,56 +7309,6 @@
           <a:chExt cx="0" cy="0"/>
         </a:xfrm>
       </p:grpSpPr>
-      <p:sp>
-        <p:nvSpPr>
-          <p:cNvPr id="2" name="Title 1">
-            <a:extLst>
-              <a:ext uri="{FF2B5EF4-FFF2-40B4-BE49-F238E27FC236}">
-                <a16:creationId xmlns:a16="http://schemas.microsoft.com/office/drawing/2014/main" id="{4CF99C60-56B6-5D4A-BEB8-5835403FFB05}"/>
-              </a:ext>
-            </a:extLst>
-          </p:cNvPr>
-          <p:cNvSpPr>
-            <a:spLocks noGrp="1"/>
-          </p:cNvSpPr>
-          <p:nvPr>
-            <p:ph type="title"/>
-          </p:nvPr>
-        </p:nvSpPr>
-        <p:spPr/>
-        <p:txBody>
-          <a:bodyPr/>
-          <a:lstStyle/>
-          <a:p>
-            <a:endParaRPr lang="en-US"/>
-          </a:p>
-        </p:txBody>
-      </p:sp>
-      <p:sp>
-        <p:nvSpPr>
-          <p:cNvPr id="3" name="Content Placeholder 2">
-            <a:extLst>
-              <a:ext uri="{FF2B5EF4-FFF2-40B4-BE49-F238E27FC236}">
-                <a16:creationId xmlns:a16="http://schemas.microsoft.com/office/drawing/2014/main" id="{F38E2A7B-7B03-BF4E-B927-AD86571DC583}"/>
-              </a:ext>
-            </a:extLst>
-          </p:cNvPr>
-          <p:cNvSpPr>
-            <a:spLocks noGrp="1"/>
-          </p:cNvSpPr>
-          <p:nvPr>
-            <p:ph idx="1"/>
-          </p:nvPr>
-        </p:nvSpPr>
-        <p:spPr/>
-        <p:txBody>
-          <a:bodyPr/>
-          <a:lstStyle/>
-          <a:p>
-            <a:endParaRPr lang="en-US"/>
-          </a:p>
-        </p:txBody>
-      </p:sp>
       <p:pic>
         <p:nvPicPr>
           <p:cNvPr id="4" name="Picture 3">
@@ -7753,31 +7715,6 @@
           </a:p>
         </p:txBody>
       </p:sp>
-      <p:sp>
-        <p:nvSpPr>
-          <p:cNvPr id="3" name="Content Placeholder 2">
-            <a:extLst>
-              <a:ext uri="{FF2B5EF4-FFF2-40B4-BE49-F238E27FC236}">
-                <a16:creationId xmlns:a16="http://schemas.microsoft.com/office/drawing/2014/main" id="{D9FA79D1-C78B-974E-A124-5C33DA52C0B4}"/>
-              </a:ext>
-            </a:extLst>
-          </p:cNvPr>
-          <p:cNvSpPr>
-            <a:spLocks noGrp="1"/>
-          </p:cNvSpPr>
-          <p:nvPr>
-            <p:ph idx="1"/>
-          </p:nvPr>
-        </p:nvSpPr>
-        <p:spPr/>
-        <p:txBody>
-          <a:bodyPr/>
-          <a:lstStyle/>
-          <a:p>
-            <a:endParaRPr lang="en-US"/>
-          </a:p>
-        </p:txBody>
-      </p:sp>
       <p:pic>
         <p:nvPicPr>
           <p:cNvPr id="4" name="Picture 3">
@@ -8113,31 +8050,6 @@
           </a:p>
         </p:txBody>
       </p:sp>
-      <p:sp>
-        <p:nvSpPr>
-          <p:cNvPr id="3" name="Content Placeholder 2">
-            <a:extLst>
-              <a:ext uri="{FF2B5EF4-FFF2-40B4-BE49-F238E27FC236}">
-                <a16:creationId xmlns:a16="http://schemas.microsoft.com/office/drawing/2014/main" id="{D9FA79D1-C78B-974E-A124-5C33DA52C0B4}"/>
-              </a:ext>
-            </a:extLst>
-          </p:cNvPr>
-          <p:cNvSpPr>
-            <a:spLocks noGrp="1"/>
-          </p:cNvSpPr>
-          <p:nvPr>
-            <p:ph idx="1"/>
-          </p:nvPr>
-        </p:nvSpPr>
-        <p:spPr/>
-        <p:txBody>
-          <a:bodyPr/>
-          <a:lstStyle/>
-          <a:p>
-            <a:endParaRPr lang="en-US" dirty="0"/>
-          </a:p>
-        </p:txBody>
-      </p:sp>
       <p:pic>
         <p:nvPicPr>
           <p:cNvPr id="4" name="Picture 3">
@@ -8214,7 +8126,12 @@
             <p:ph type="title"/>
           </p:nvPr>
         </p:nvSpPr>
-        <p:spPr/>
+        <p:spPr>
+          <a:xfrm>
+            <a:off x="838200" y="344104"/>
+            <a:ext cx="10515600" cy="1325563"/>
+          </a:xfrm>
+        </p:spPr>
         <p:txBody>
           <a:bodyPr/>
           <a:lstStyle/>
@@ -8320,31 +8237,6 @@
               <a:t>mergesort</a:t>
             </a:r>
             <a:endParaRPr lang="en-US" dirty="0"/>
-          </a:p>
-        </p:txBody>
-      </p:sp>
-      <p:sp>
-        <p:nvSpPr>
-          <p:cNvPr id="3" name="Content Placeholder 2">
-            <a:extLst>
-              <a:ext uri="{FF2B5EF4-FFF2-40B4-BE49-F238E27FC236}">
-                <a16:creationId xmlns:a16="http://schemas.microsoft.com/office/drawing/2014/main" id="{B216D622-0AE7-2D45-A41D-A5980E2EE975}"/>
-              </a:ext>
-            </a:extLst>
-          </p:cNvPr>
-          <p:cNvSpPr>
-            <a:spLocks noGrp="1"/>
-          </p:cNvSpPr>
-          <p:nvPr>
-            <p:ph idx="1"/>
-          </p:nvPr>
-        </p:nvSpPr>
-        <p:spPr/>
-        <p:txBody>
-          <a:bodyPr/>
-          <a:lstStyle/>
-          <a:p>
-            <a:endParaRPr lang="en-US"/>
           </a:p>
         </p:txBody>
       </p:sp>
@@ -8715,7 +8607,7 @@
                 <a16:creationId xmlns:a16="http://schemas.microsoft.com/office/drawing/2014/main" id="{AB45A142-4255-493C-8284-5D566C121B10}"/>
               </a:ext>
               <a:ext uri="{C183D7F6-B498-43B3-948B-1728B52AA6E4}">
-                <adec:decorative xmlns:adec="http://schemas.microsoft.com/office/drawing/2017/decorative" val="1"/>
+                <adec:decorative xmlns:adec="http://schemas.microsoft.com/office/drawing/2017/decorative" xmlns="" val="1"/>
               </a:ext>
             </a:extLst>
           </p:cNvPr>
@@ -8856,7 +8748,7 @@
                 <a16:creationId xmlns:a16="http://schemas.microsoft.com/office/drawing/2014/main" id="{38FB9660-F42F-4313-BBC4-47C007FE484C}"/>
               </a:ext>
               <a:ext uri="{C183D7F6-B498-43B3-948B-1728B52AA6E4}">
-                <adec:decorative xmlns:adec="http://schemas.microsoft.com/office/drawing/2017/decorative" val="1"/>
+                <adec:decorative xmlns:adec="http://schemas.microsoft.com/office/drawing/2017/decorative" xmlns="" val="1"/>
               </a:ext>
             </a:extLst>
           </p:cNvPr>
